--- a/Pedro Mongui/Pedro Mongui.pptx
+++ b/Pedro Mongui/Pedro Mongui.pptx
@@ -6517,7 +6517,7 @@
         </p:blipFill>
         <p:spPr bwMode="auto">
           <a:xfrm>
-            <a:off x="2032071" y="1542408"/>
+            <a:off x="2221359" y="1552862"/>
             <a:ext cx="877706" cy="849392"/>
           </a:xfrm>
           <a:prstGeom prst="rect">
@@ -6658,7 +6658,7 @@
         </p:blipFill>
         <p:spPr bwMode="auto">
           <a:xfrm>
-            <a:off x="1880731" y="377951"/>
+            <a:off x="1880731" y="344900"/>
             <a:ext cx="1131213" cy="1131213"/>
           </a:xfrm>
           <a:prstGeom prst="rect">
